--- a/6.List_11_Feb/Python_Lists_Part2.pptx
+++ b/6.List_11_Feb/Python_Lists_Part2.pptx
@@ -306,7 +306,7 @@
             <a:pPr algn="r">
               <a:buNone/>
             </a:pPr>
-            <a:fld id="{932D0320-2EE1-4201-8CD4-422AEBF2E7C4}" type="slidenum">
+            <a:fld id="{2AA4B8AA-BD74-477F-8C64-39986CFC2FEF}" type="slidenum">
               <a:rPr b="0" lang="en-IN" sz="1400" spc="-1" strike="noStrike">
                 <a:latin typeface="Times New Roman"/>
               </a:rPr>
@@ -447,7 +447,7 @@
               </a:lnSpc>
               <a:buNone/>
             </a:pPr>
-            <a:fld id="{5F43F760-EABB-430A-9B9A-69F7F6103AAF}" type="slidenum">
+            <a:fld id="{DFFAF8A2-EAF8-4F1D-8F35-763AC9F48109}" type="slidenum">
               <a:rPr b="0" lang="en-US" sz="1200" spc="-1" strike="noStrike">
                 <a:solidFill>
                   <a:srgbClr val="000000"/>
@@ -591,7 +591,7 @@
               </a:lnSpc>
               <a:buNone/>
             </a:pPr>
-            <a:fld id="{2BA95501-A180-4F76-8789-58F0D1EF5BCD}" type="slidenum">
+            <a:fld id="{C8419D6B-954A-49A2-909D-A94ECEA89317}" type="slidenum">
               <a:rPr b="0" lang="en-US" sz="1200" spc="-1" strike="noStrike">
                 <a:solidFill>
                   <a:srgbClr val="000000"/>
@@ -735,7 +735,7 @@
               </a:lnSpc>
               <a:buNone/>
             </a:pPr>
-            <a:fld id="{BE28B95A-A9F1-4815-9714-E2FA20FDAB1D}" type="slidenum">
+            <a:fld id="{AFA44EFA-C1D6-41A7-92B0-12EDE1F32C0F}" type="slidenum">
               <a:rPr b="0" lang="en-US" sz="1200" spc="-1" strike="noStrike">
                 <a:solidFill>
                   <a:srgbClr val="000000"/>
@@ -879,7 +879,7 @@
               </a:lnSpc>
               <a:buNone/>
             </a:pPr>
-            <a:fld id="{1493EDBC-6CE1-4BC6-90A0-35D885DFE008}" type="slidenum">
+            <a:fld id="{4855F139-1191-4724-8917-D9A32128EA74}" type="slidenum">
               <a:rPr b="0" lang="en-US" sz="1200" spc="-1" strike="noStrike">
                 <a:solidFill>
                   <a:srgbClr val="000000"/>
@@ -1023,7 +1023,7 @@
               </a:lnSpc>
               <a:buNone/>
             </a:pPr>
-            <a:fld id="{CC0E4151-0425-4753-AB71-0E0E3912B9D7}" type="slidenum">
+            <a:fld id="{66F2FE62-BABC-4C65-B940-AF9620C09D79}" type="slidenum">
               <a:rPr b="0" lang="en-US" sz="1200" spc="-1" strike="noStrike">
                 <a:solidFill>
                   <a:srgbClr val="000000"/>
@@ -1167,7 +1167,7 @@
               </a:lnSpc>
               <a:buNone/>
             </a:pPr>
-            <a:fld id="{B3439255-2481-44BD-A911-006D3294233C}" type="slidenum">
+            <a:fld id="{DCFF8430-7592-4A1D-BE24-E96E6D2E8B64}" type="slidenum">
               <a:rPr b="0" lang="en-US" sz="1200" spc="-1" strike="noStrike">
                 <a:solidFill>
                   <a:srgbClr val="000000"/>
@@ -1311,7 +1311,7 @@
               </a:lnSpc>
               <a:buNone/>
             </a:pPr>
-            <a:fld id="{15522374-932A-4687-885A-5C573E73BB83}" type="slidenum">
+            <a:fld id="{A84FFB3D-FD55-4215-A029-E49DAA0B018B}" type="slidenum">
               <a:rPr b="0" lang="en-US" sz="1200" spc="-1" strike="noStrike">
                 <a:solidFill>
                   <a:srgbClr val="000000"/>
@@ -1455,7 +1455,7 @@
               </a:lnSpc>
               <a:buNone/>
             </a:pPr>
-            <a:fld id="{BD0A9F0E-6D7C-4A98-9932-998E6B23A607}" type="slidenum">
+            <a:fld id="{D82430DE-BC19-465A-8180-10CE870C4267}" type="slidenum">
               <a:rPr b="0" lang="en-US" sz="1200" spc="-1" strike="noStrike">
                 <a:solidFill>
                   <a:srgbClr val="000000"/>
@@ -1599,7 +1599,7 @@
               </a:lnSpc>
               <a:buNone/>
             </a:pPr>
-            <a:fld id="{475F47D5-DCB4-4E6D-B0AB-74C0AC0CB395}" type="slidenum">
+            <a:fld id="{E9FE3089-C279-4560-9378-92A3E64DF5C9}" type="slidenum">
               <a:rPr b="0" lang="en-US" sz="1200" spc="-1" strike="noStrike">
                 <a:solidFill>
                   <a:srgbClr val="000000"/>
@@ -1743,7 +1743,7 @@
               </a:lnSpc>
               <a:buNone/>
             </a:pPr>
-            <a:fld id="{E8729E18-81CE-4F0D-855B-214D4824F122}" type="slidenum">
+            <a:fld id="{C52462FB-687C-4CDD-91C1-60436FFD012C}" type="slidenum">
               <a:rPr b="0" lang="en-US" sz="1200" spc="-1" strike="noStrike">
                 <a:solidFill>
                   <a:srgbClr val="000000"/>
@@ -1887,7 +1887,7 @@
               </a:lnSpc>
               <a:buNone/>
             </a:pPr>
-            <a:fld id="{6CB3577A-9A84-4CD6-8BF6-60E964F72009}" type="slidenum">
+            <a:fld id="{8DCEE7F4-B2BA-449F-BE79-90015791A9DF}" type="slidenum">
               <a:rPr b="0" lang="en-US" sz="1200" spc="-1" strike="noStrike">
                 <a:solidFill>
                   <a:srgbClr val="000000"/>
@@ -2031,7 +2031,7 @@
               </a:lnSpc>
               <a:buNone/>
             </a:pPr>
-            <a:fld id="{8BB84BEB-8343-4C1B-B8DB-93304B5DC091}" type="slidenum">
+            <a:fld id="{7F4644C0-C0C2-4874-846F-233E72EBF673}" type="slidenum">
               <a:rPr b="0" lang="en-US" sz="1200" spc="-1" strike="noStrike">
                 <a:solidFill>
                   <a:srgbClr val="000000"/>
@@ -8406,8 +8406,8 @@
         </p:nvSpPr>
         <p:spPr>
           <a:xfrm>
-            <a:off x="457200" y="365760"/>
-            <a:ext cx="8229240" cy="548280"/>
+            <a:off x="457200" y="68760"/>
+            <a:ext cx="7822800" cy="461160"/>
           </a:xfrm>
           <a:prstGeom prst="rect">
             <a:avLst/>
@@ -8461,8 +8461,8 @@
         </p:nvSpPr>
         <p:spPr>
           <a:xfrm>
-            <a:off x="640080" y="1097280"/>
-            <a:ext cx="7863480" cy="456840"/>
+            <a:off x="631080" y="684000"/>
+            <a:ext cx="7475040" cy="384120"/>
           </a:xfrm>
           <a:prstGeom prst="rect">
             <a:avLst/>
@@ -8516,8 +8516,8 @@
         </p:nvSpPr>
         <p:spPr>
           <a:xfrm>
-            <a:off x="640080" y="1737360"/>
-            <a:ext cx="7863480" cy="319680"/>
+            <a:off x="631080" y="1222200"/>
+            <a:ext cx="7475040" cy="268920"/>
           </a:xfrm>
           <a:prstGeom prst="rect">
             <a:avLst/>
@@ -8571,8 +8571,8 @@
         </p:nvSpPr>
         <p:spPr>
           <a:xfrm>
-            <a:off x="640080" y="2148840"/>
-            <a:ext cx="7863480" cy="548280"/>
+            <a:off x="631080" y="1568160"/>
+            <a:ext cx="7475040" cy="461160"/>
           </a:xfrm>
           <a:prstGeom prst="rect">
             <a:avLst/>
@@ -8602,25 +8602,25 @@
         </p:nvSpPr>
         <p:spPr>
           <a:xfrm>
-            <a:off x="914400" y="2331720"/>
-            <a:ext cx="7314840" cy="182520"/>
-          </a:xfrm>
-          <a:prstGeom prst="rect">
-            <a:avLst/>
-          </a:prstGeom>
-          <a:noFill/>
-          <a:ln w="0">
-            <a:noFill/>
-          </a:ln>
-        </p:spPr>
-        <p:style>
-          <a:lnRef idx="0"/>
-          <a:fillRef idx="0"/>
-          <a:effectRef idx="0"/>
-          <a:fontRef idx="minor"/>
-        </p:style>
-        <p:txBody>
-          <a:bodyPr lIns="90000" rIns="90000" tIns="45000" bIns="45000" anchor="ctr">
+            <a:off x="891720" y="1721880"/>
+            <a:ext cx="6953760" cy="153720"/>
+          </a:xfrm>
+          <a:prstGeom prst="rect">
+            <a:avLst/>
+          </a:prstGeom>
+          <a:noFill/>
+          <a:ln w="0">
+            <a:noFill/>
+          </a:ln>
+        </p:spPr>
+        <p:style>
+          <a:lnRef idx="0"/>
+          <a:fillRef idx="0"/>
+          <a:effectRef idx="0"/>
+          <a:fontRef idx="minor"/>
+        </p:style>
+        <p:txBody>
+          <a:bodyPr lIns="90000" rIns="90000" tIns="90000" bIns="90000" anchor="ctr">
             <a:noAutofit/>
           </a:bodyPr>
           <a:p>
@@ -8657,8 +8657,8 @@
         </p:nvSpPr>
         <p:spPr>
           <a:xfrm>
-            <a:off x="640080" y="2834640"/>
-            <a:ext cx="7863480" cy="273960"/>
+            <a:off x="631080" y="2144880"/>
+            <a:ext cx="7475040" cy="230400"/>
           </a:xfrm>
           <a:prstGeom prst="rect">
             <a:avLst/>
@@ -8712,8 +8712,8 @@
         </p:nvSpPr>
         <p:spPr>
           <a:xfrm>
-            <a:off x="640080" y="3291840"/>
-            <a:ext cx="7863480" cy="319680"/>
+            <a:off x="631080" y="2529360"/>
+            <a:ext cx="7475040" cy="268920"/>
           </a:xfrm>
           <a:prstGeom prst="rect">
             <a:avLst/>
@@ -8767,8 +8767,8 @@
         </p:nvSpPr>
         <p:spPr>
           <a:xfrm>
-            <a:off x="1645920" y="3520440"/>
-            <a:ext cx="914040" cy="228240"/>
+            <a:off x="1587240" y="2721600"/>
+            <a:ext cx="869040" cy="191880"/>
           </a:xfrm>
           <a:prstGeom prst="rect">
             <a:avLst/>
@@ -8822,8 +8822,8 @@
         </p:nvSpPr>
         <p:spPr>
           <a:xfrm>
-            <a:off x="1645920" y="3840480"/>
-            <a:ext cx="914040" cy="548280"/>
+            <a:off x="1587240" y="2990880"/>
+            <a:ext cx="869040" cy="461160"/>
           </a:xfrm>
           <a:prstGeom prst="rect">
             <a:avLst/>
@@ -8853,8 +8853,8 @@
         </p:nvSpPr>
         <p:spPr>
           <a:xfrm>
-            <a:off x="1645920" y="3977640"/>
-            <a:ext cx="914040" cy="273960"/>
+            <a:off x="1587240" y="3106080"/>
+            <a:ext cx="869040" cy="230400"/>
           </a:xfrm>
           <a:prstGeom prst="rect">
             <a:avLst/>
@@ -8908,8 +8908,8 @@
         </p:nvSpPr>
         <p:spPr>
           <a:xfrm>
-            <a:off x="2743200" y="3520440"/>
-            <a:ext cx="914040" cy="228240"/>
+            <a:off x="2630160" y="2721600"/>
+            <a:ext cx="869040" cy="191880"/>
           </a:xfrm>
           <a:prstGeom prst="rect">
             <a:avLst/>
@@ -8963,8 +8963,8 @@
         </p:nvSpPr>
         <p:spPr>
           <a:xfrm>
-            <a:off x="2743200" y="3840480"/>
-            <a:ext cx="914040" cy="548280"/>
+            <a:off x="2630160" y="2990880"/>
+            <a:ext cx="869040" cy="461160"/>
           </a:xfrm>
           <a:prstGeom prst="rect">
             <a:avLst/>
@@ -8994,8 +8994,8 @@
         </p:nvSpPr>
         <p:spPr>
           <a:xfrm>
-            <a:off x="2743200" y="3977640"/>
-            <a:ext cx="914040" cy="273960"/>
+            <a:off x="2630160" y="3106080"/>
+            <a:ext cx="869040" cy="230400"/>
           </a:xfrm>
           <a:prstGeom prst="rect">
             <a:avLst/>
@@ -9049,8 +9049,8 @@
         </p:nvSpPr>
         <p:spPr>
           <a:xfrm>
-            <a:off x="3840480" y="3520440"/>
-            <a:ext cx="914040" cy="228240"/>
+            <a:off x="3673440" y="2721600"/>
+            <a:ext cx="868680" cy="191880"/>
           </a:xfrm>
           <a:prstGeom prst="rect">
             <a:avLst/>
@@ -9104,8 +9104,8 @@
         </p:nvSpPr>
         <p:spPr>
           <a:xfrm>
-            <a:off x="3840480" y="3840480"/>
-            <a:ext cx="914040" cy="548280"/>
+            <a:off x="3673440" y="2990880"/>
+            <a:ext cx="868680" cy="461160"/>
           </a:xfrm>
           <a:prstGeom prst="rect">
             <a:avLst/>
@@ -9135,8 +9135,8 @@
         </p:nvSpPr>
         <p:spPr>
           <a:xfrm>
-            <a:off x="3840480" y="3977640"/>
-            <a:ext cx="914040" cy="273960"/>
+            <a:off x="3673440" y="3106080"/>
+            <a:ext cx="868680" cy="230400"/>
           </a:xfrm>
           <a:prstGeom prst="rect">
             <a:avLst/>
@@ -9190,8 +9190,8 @@
         </p:nvSpPr>
         <p:spPr>
           <a:xfrm>
-            <a:off x="4937760" y="3520440"/>
-            <a:ext cx="914040" cy="228240"/>
+            <a:off x="4716360" y="2721600"/>
+            <a:ext cx="869040" cy="191880"/>
           </a:xfrm>
           <a:prstGeom prst="rect">
             <a:avLst/>
@@ -9245,8 +9245,8 @@
         </p:nvSpPr>
         <p:spPr>
           <a:xfrm>
-            <a:off x="4937760" y="3840480"/>
-            <a:ext cx="914040" cy="548280"/>
+            <a:off x="4716360" y="2990880"/>
+            <a:ext cx="869040" cy="461160"/>
           </a:xfrm>
           <a:prstGeom prst="rect">
             <a:avLst/>
@@ -9276,8 +9276,8 @@
         </p:nvSpPr>
         <p:spPr>
           <a:xfrm>
-            <a:off x="4937760" y="3977640"/>
-            <a:ext cx="914040" cy="273960"/>
+            <a:off x="4716360" y="3106080"/>
+            <a:ext cx="869040" cy="230400"/>
           </a:xfrm>
           <a:prstGeom prst="rect">
             <a:avLst/>
@@ -9331,8 +9331,8 @@
         </p:nvSpPr>
         <p:spPr>
           <a:xfrm>
-            <a:off x="6035040" y="3520440"/>
-            <a:ext cx="914040" cy="228240"/>
+            <a:off x="5759640" y="2721600"/>
+            <a:ext cx="868680" cy="191880"/>
           </a:xfrm>
           <a:prstGeom prst="rect">
             <a:avLst/>
@@ -9386,8 +9386,8 @@
         </p:nvSpPr>
         <p:spPr>
           <a:xfrm>
-            <a:off x="6035040" y="3840480"/>
-            <a:ext cx="914040" cy="548280"/>
+            <a:off x="5759640" y="2990880"/>
+            <a:ext cx="868680" cy="461160"/>
           </a:xfrm>
           <a:prstGeom prst="rect">
             <a:avLst/>
@@ -9417,8 +9417,8 @@
         </p:nvSpPr>
         <p:spPr>
           <a:xfrm>
-            <a:off x="6035040" y="3977640"/>
-            <a:ext cx="914040" cy="273960"/>
+            <a:off x="5759640" y="3106080"/>
+            <a:ext cx="868680" cy="230400"/>
           </a:xfrm>
           <a:prstGeom prst="rect">
             <a:avLst/>
@@ -9472,8 +9472,8 @@
         </p:nvSpPr>
         <p:spPr>
           <a:xfrm>
-            <a:off x="1645920" y="4572000"/>
-            <a:ext cx="5486040" cy="228240"/>
+            <a:off x="1587240" y="3606120"/>
+            <a:ext cx="5214960" cy="191880"/>
           </a:xfrm>
           <a:prstGeom prst="rect">
             <a:avLst/>
@@ -9527,8 +9527,8 @@
         </p:nvSpPr>
         <p:spPr>
           <a:xfrm>
-            <a:off x="640080" y="5029200"/>
-            <a:ext cx="7863480" cy="319680"/>
+            <a:off x="631080" y="3990600"/>
+            <a:ext cx="7475040" cy="268920"/>
           </a:xfrm>
           <a:prstGeom prst="rect">
             <a:avLst/>
@@ -9582,8 +9582,8 @@
         </p:nvSpPr>
         <p:spPr>
           <a:xfrm>
-            <a:off x="914400" y="5440680"/>
-            <a:ext cx="1645560" cy="228240"/>
+            <a:off x="891720" y="4336560"/>
+            <a:ext cx="1564560" cy="191880"/>
           </a:xfrm>
           <a:prstGeom prst="rect">
             <a:avLst/>
@@ -9637,8 +9637,8 @@
         </p:nvSpPr>
         <p:spPr>
           <a:xfrm>
-            <a:off x="2651760" y="5440680"/>
-            <a:ext cx="273960" cy="228240"/>
+            <a:off x="2543400" y="4336560"/>
+            <a:ext cx="260280" cy="191880"/>
           </a:xfrm>
           <a:prstGeom prst="rect">
             <a:avLst/>
@@ -9692,8 +9692,8 @@
         </p:nvSpPr>
         <p:spPr>
           <a:xfrm>
-            <a:off x="3017520" y="5440680"/>
-            <a:ext cx="1828440" cy="228240"/>
+            <a:off x="2891160" y="4336560"/>
+            <a:ext cx="1738080" cy="191880"/>
           </a:xfrm>
           <a:prstGeom prst="rect">
             <a:avLst/>
@@ -9747,8 +9747,8 @@
         </p:nvSpPr>
         <p:spPr>
           <a:xfrm>
-            <a:off x="5029200" y="5440680"/>
-            <a:ext cx="3382920" cy="228240"/>
+            <a:off x="4803480" y="4336560"/>
+            <a:ext cx="3215880" cy="191880"/>
           </a:xfrm>
           <a:prstGeom prst="rect">
             <a:avLst/>
@@ -9802,8 +9802,8 @@
         </p:nvSpPr>
         <p:spPr>
           <a:xfrm>
-            <a:off x="914400" y="5806440"/>
-            <a:ext cx="1645560" cy="228240"/>
+            <a:off x="891720" y="4644000"/>
+            <a:ext cx="1564560" cy="192240"/>
           </a:xfrm>
           <a:prstGeom prst="rect">
             <a:avLst/>
@@ -9857,8 +9857,8 @@
         </p:nvSpPr>
         <p:spPr>
           <a:xfrm>
-            <a:off x="2651760" y="5806440"/>
-            <a:ext cx="273960" cy="228240"/>
+            <a:off x="2543400" y="4644000"/>
+            <a:ext cx="260280" cy="192240"/>
           </a:xfrm>
           <a:prstGeom prst="rect">
             <a:avLst/>
@@ -9912,8 +9912,8 @@
         </p:nvSpPr>
         <p:spPr>
           <a:xfrm>
-            <a:off x="3017520" y="5806440"/>
-            <a:ext cx="1828440" cy="228240"/>
+            <a:off x="2891160" y="4644000"/>
+            <a:ext cx="1738080" cy="192240"/>
           </a:xfrm>
           <a:prstGeom prst="rect">
             <a:avLst/>
@@ -9967,8 +9967,8 @@
         </p:nvSpPr>
         <p:spPr>
           <a:xfrm>
-            <a:off x="5029200" y="5806440"/>
-            <a:ext cx="3382920" cy="228240"/>
+            <a:off x="4803480" y="4644000"/>
+            <a:ext cx="3215880" cy="192240"/>
           </a:xfrm>
           <a:prstGeom prst="rect">
             <a:avLst/>
@@ -10022,8 +10022,8 @@
         </p:nvSpPr>
         <p:spPr>
           <a:xfrm>
-            <a:off x="914400" y="6172200"/>
-            <a:ext cx="1645560" cy="228240"/>
+            <a:off x="891720" y="4951800"/>
+            <a:ext cx="1564560" cy="191880"/>
           </a:xfrm>
           <a:prstGeom prst="rect">
             <a:avLst/>
@@ -10077,8 +10077,8 @@
         </p:nvSpPr>
         <p:spPr>
           <a:xfrm>
-            <a:off x="2651760" y="6172200"/>
-            <a:ext cx="273960" cy="228240"/>
+            <a:off x="2543400" y="4951800"/>
+            <a:ext cx="260280" cy="191880"/>
           </a:xfrm>
           <a:prstGeom prst="rect">
             <a:avLst/>
@@ -10132,8 +10132,8 @@
         </p:nvSpPr>
         <p:spPr>
           <a:xfrm>
-            <a:off x="3017520" y="6172200"/>
-            <a:ext cx="1828440" cy="228240"/>
+            <a:off x="2891160" y="4951800"/>
+            <a:ext cx="1738080" cy="191880"/>
           </a:xfrm>
           <a:prstGeom prst="rect">
             <a:avLst/>
@@ -10187,8 +10187,8 @@
         </p:nvSpPr>
         <p:spPr>
           <a:xfrm>
-            <a:off x="5029200" y="6172200"/>
-            <a:ext cx="3382920" cy="228240"/>
+            <a:off x="4803480" y="4951800"/>
+            <a:ext cx="3215880" cy="191880"/>
           </a:xfrm>
           <a:prstGeom prst="rect">
             <a:avLst/>
@@ -18577,7 +18577,7 @@
         </p:nvSpPr>
         <p:spPr>
           <a:xfrm>
-            <a:off x="2377440" y="3291840"/>
+            <a:off x="2408760" y="3291840"/>
             <a:ext cx="1371240" cy="228240"/>
           </a:xfrm>
           <a:prstGeom prst="rect">
